--- a/PROGRAMAÇÃO PARA DISPOSITIVOS MÓVEIS.pptx
+++ b/PROGRAMAÇÃO PARA DISPOSITIVOS MÓVEIS.pptx
@@ -109,6 +109,11 @@
       </a:defRPr>
     </a:lvl9pPr>
   </p:defaultTextStyle>
+  <p:extLst>
+    <p:ext uri="{EFAFB233-063F-42B5-8137-9DF3F51BA10A}">
+      <p15:sldGuideLst xmlns:p15="http://schemas.microsoft.com/office/powerpoint/2012/main"/>
+    </p:ext>
+  </p:extLst>
 </p:presentation>
 </file>
 
@@ -169,7 +174,7 @@
           <a:noFill/>
           <a:extLst>
             <a:ext uri="{909E8E84-426E-40dd-AFC4-6F175D3DCCD1}">
-              <a14:hiddenFill xmlns:a14="http://schemas.microsoft.com/office/drawing/2010/main" xmlns="">
+              <a14:hiddenFill xmlns="" xmlns:a14="http://schemas.microsoft.com/office/drawing/2010/main">
                 <a:solidFill>
                   <a:srgbClr val="FFFFFF"/>
                 </a:solidFill>
@@ -228,7 +233,7 @@
             </a:ln>
             <a:extLst>
               <a:ext uri="{91240B29-F687-4f45-9708-019B960494DF}">
-                <a14:hiddenLine xmlns:a14="http://schemas.microsoft.com/office/drawing/2010/main" xmlns="" w="9525">
+                <a14:hiddenLine xmlns="" xmlns:a14="http://schemas.microsoft.com/office/drawing/2010/main" w="9525">
                   <a:solidFill>
                     <a:srgbClr val="000000"/>
                   </a:solidFill>
@@ -318,7 +323,7 @@
             </a:ln>
             <a:extLst>
               <a:ext uri="{91240B29-F687-4f45-9708-019B960494DF}">
-                <a14:hiddenLine xmlns:a14="http://schemas.microsoft.com/office/drawing/2010/main" xmlns="" w="9525">
+                <a14:hiddenLine xmlns="" xmlns:a14="http://schemas.microsoft.com/office/drawing/2010/main" w="9525">
                   <a:solidFill>
                     <a:srgbClr val="000000"/>
                   </a:solidFill>
@@ -408,7 +413,7 @@
             </a:ln>
             <a:extLst>
               <a:ext uri="{91240B29-F687-4f45-9708-019B960494DF}">
-                <a14:hiddenLine xmlns:a14="http://schemas.microsoft.com/office/drawing/2010/main" xmlns="" w="9525">
+                <a14:hiddenLine xmlns="" xmlns:a14="http://schemas.microsoft.com/office/drawing/2010/main" w="9525">
                   <a:solidFill>
                     <a:srgbClr val="000000"/>
                   </a:solidFill>
@@ -442,7 +447,7 @@
             </a:ln>
             <a:extLst>
               <a:ext uri="{91240B29-F687-4f45-9708-019B960494DF}">
-                <a14:hiddenLine xmlns:a14="http://schemas.microsoft.com/office/drawing/2010/main" xmlns="" w="9525">
+                <a14:hiddenLine xmlns="" xmlns:a14="http://schemas.microsoft.com/office/drawing/2010/main" w="9525">
                   <a:solidFill>
                     <a:srgbClr val="000000"/>
                   </a:solidFill>
@@ -532,7 +537,7 @@
             </a:ln>
             <a:extLst>
               <a:ext uri="{91240B29-F687-4f45-9708-019B960494DF}">
-                <a14:hiddenLine xmlns:a14="http://schemas.microsoft.com/office/drawing/2010/main" xmlns="" w="9525">
+                <a14:hiddenLine xmlns="" xmlns:a14="http://schemas.microsoft.com/office/drawing/2010/main" w="9525">
                   <a:solidFill>
                     <a:srgbClr val="000000"/>
                   </a:solidFill>
@@ -594,7 +599,7 @@
             </a:ln>
             <a:extLst>
               <a:ext uri="{91240B29-F687-4f45-9708-019B960494DF}">
-                <a14:hiddenLine xmlns:a14="http://schemas.microsoft.com/office/drawing/2010/main" xmlns="" w="9525">
+                <a14:hiddenLine xmlns="" xmlns:a14="http://schemas.microsoft.com/office/drawing/2010/main" w="9525">
                   <a:solidFill>
                     <a:srgbClr val="000000"/>
                   </a:solidFill>
@@ -656,7 +661,7 @@
             </a:ln>
             <a:extLst>
               <a:ext uri="{91240B29-F687-4f45-9708-019B960494DF}">
-                <a14:hiddenLine xmlns:a14="http://schemas.microsoft.com/office/drawing/2010/main" xmlns="" w="9525">
+                <a14:hiddenLine xmlns="" xmlns:a14="http://schemas.microsoft.com/office/drawing/2010/main" w="9525">
                   <a:solidFill>
                     <a:srgbClr val="000000"/>
                   </a:solidFill>
@@ -746,7 +751,7 @@
             </a:ln>
             <a:extLst>
               <a:ext uri="{91240B29-F687-4f45-9708-019B960494DF}">
-                <a14:hiddenLine xmlns:a14="http://schemas.microsoft.com/office/drawing/2010/main" xmlns="" w="9525">
+                <a14:hiddenLine xmlns="" xmlns:a14="http://schemas.microsoft.com/office/drawing/2010/main" w="9525">
                   <a:solidFill>
                     <a:srgbClr val="000000"/>
                   </a:solidFill>
@@ -808,7 +813,7 @@
             </a:ln>
             <a:extLst>
               <a:ext uri="{91240B29-F687-4f45-9708-019B960494DF}">
-                <a14:hiddenLine xmlns:a14="http://schemas.microsoft.com/office/drawing/2010/main" xmlns="" w="9525">
+                <a14:hiddenLine xmlns="" xmlns:a14="http://schemas.microsoft.com/office/drawing/2010/main" w="9525">
                   <a:solidFill>
                     <a:srgbClr val="000000"/>
                   </a:solidFill>
@@ -870,7 +875,7 @@
             </a:ln>
             <a:extLst>
               <a:ext uri="{91240B29-F687-4f45-9708-019B960494DF}">
-                <a14:hiddenLine xmlns:a14="http://schemas.microsoft.com/office/drawing/2010/main" xmlns="" w="9525">
+                <a14:hiddenLine xmlns="" xmlns:a14="http://schemas.microsoft.com/office/drawing/2010/main" w="9525">
                   <a:solidFill>
                     <a:srgbClr val="000000"/>
                   </a:solidFill>
@@ -960,7 +965,7 @@
             </a:ln>
             <a:extLst>
               <a:ext uri="{91240B29-F687-4f45-9708-019B960494DF}">
-                <a14:hiddenLine xmlns:a14="http://schemas.microsoft.com/office/drawing/2010/main" xmlns="" w="9525">
+                <a14:hiddenLine xmlns="" xmlns:a14="http://schemas.microsoft.com/office/drawing/2010/main" w="9525">
                   <a:solidFill>
                     <a:srgbClr val="000000"/>
                   </a:solidFill>
@@ -1050,7 +1055,7 @@
             </a:ln>
             <a:extLst>
               <a:ext uri="{91240B29-F687-4f45-9708-019B960494DF}">
-                <a14:hiddenLine xmlns:a14="http://schemas.microsoft.com/office/drawing/2010/main" xmlns="" w="9525">
+                <a14:hiddenLine xmlns="" xmlns:a14="http://schemas.microsoft.com/office/drawing/2010/main" w="9525">
                   <a:solidFill>
                     <a:srgbClr val="000000"/>
                   </a:solidFill>
@@ -1112,7 +1117,7 @@
             </a:ln>
             <a:extLst>
               <a:ext uri="{91240B29-F687-4f45-9708-019B960494DF}">
-                <a14:hiddenLine xmlns:a14="http://schemas.microsoft.com/office/drawing/2010/main" xmlns="" w="9525">
+                <a14:hiddenLine xmlns="" xmlns:a14="http://schemas.microsoft.com/office/drawing/2010/main" w="9525">
                   <a:solidFill>
                     <a:srgbClr val="000000"/>
                   </a:solidFill>
@@ -1222,7 +1227,7 @@
             </a:ln>
             <a:extLst>
               <a:ext uri="{91240B29-F687-4f45-9708-019B960494DF}">
-                <a14:hiddenLine xmlns:a14="http://schemas.microsoft.com/office/drawing/2010/main" xmlns="" w="9525">
+                <a14:hiddenLine xmlns="" xmlns:a14="http://schemas.microsoft.com/office/drawing/2010/main" w="9525">
                   <a:solidFill>
                     <a:srgbClr val="000000"/>
                   </a:solidFill>
@@ -1284,7 +1289,7 @@
             </a:ln>
             <a:extLst>
               <a:ext uri="{91240B29-F687-4f45-9708-019B960494DF}">
-                <a14:hiddenLine xmlns:a14="http://schemas.microsoft.com/office/drawing/2010/main" xmlns="" w="9525">
+                <a14:hiddenLine xmlns="" xmlns:a14="http://schemas.microsoft.com/office/drawing/2010/main" w="9525">
                   <a:solidFill>
                     <a:srgbClr val="000000"/>
                   </a:solidFill>
@@ -1374,7 +1379,7 @@
             </a:ln>
             <a:extLst>
               <a:ext uri="{91240B29-F687-4f45-9708-019B960494DF}">
-                <a14:hiddenLine xmlns:a14="http://schemas.microsoft.com/office/drawing/2010/main" xmlns="" w="9525">
+                <a14:hiddenLine xmlns="" xmlns:a14="http://schemas.microsoft.com/office/drawing/2010/main" w="9525">
                   <a:solidFill>
                     <a:srgbClr val="000000"/>
                   </a:solidFill>
@@ -1464,7 +1469,7 @@
             </a:ln>
             <a:extLst>
               <a:ext uri="{91240B29-F687-4f45-9708-019B960494DF}">
-                <a14:hiddenLine xmlns:a14="http://schemas.microsoft.com/office/drawing/2010/main" xmlns="" w="9525">
+                <a14:hiddenLine xmlns="" xmlns:a14="http://schemas.microsoft.com/office/drawing/2010/main" w="9525">
                   <a:solidFill>
                     <a:srgbClr val="000000"/>
                   </a:solidFill>
@@ -1526,7 +1531,7 @@
             </a:ln>
             <a:extLst>
               <a:ext uri="{91240B29-F687-4f45-9708-019B960494DF}">
-                <a14:hiddenLine xmlns:a14="http://schemas.microsoft.com/office/drawing/2010/main" xmlns="" w="9525">
+                <a14:hiddenLine xmlns="" xmlns:a14="http://schemas.microsoft.com/office/drawing/2010/main" w="9525">
                   <a:solidFill>
                     <a:srgbClr val="000000"/>
                   </a:solidFill>
@@ -1616,7 +1621,7 @@
             </a:ln>
             <a:extLst>
               <a:ext uri="{91240B29-F687-4f45-9708-019B960494DF}">
-                <a14:hiddenLine xmlns:a14="http://schemas.microsoft.com/office/drawing/2010/main" xmlns="" w="9525">
+                <a14:hiddenLine xmlns="" xmlns:a14="http://schemas.microsoft.com/office/drawing/2010/main" w="9525">
                   <a:solidFill>
                     <a:srgbClr val="000000"/>
                   </a:solidFill>
@@ -1706,7 +1711,7 @@
             </a:ln>
             <a:extLst>
               <a:ext uri="{91240B29-F687-4f45-9708-019B960494DF}">
-                <a14:hiddenLine xmlns:a14="http://schemas.microsoft.com/office/drawing/2010/main" xmlns="" w="9525">
+                <a14:hiddenLine xmlns="" xmlns:a14="http://schemas.microsoft.com/office/drawing/2010/main" w="9525">
                   <a:solidFill>
                     <a:srgbClr val="000000"/>
                   </a:solidFill>
@@ -1762,7 +1767,7 @@
             </a:ln>
             <a:extLst>
               <a:ext uri="{91240B29-F687-4f45-9708-019B960494DF}">
-                <a14:hiddenLine xmlns:a14="http://schemas.microsoft.com/office/drawing/2010/main" xmlns="" w="9525">
+                <a14:hiddenLine xmlns="" xmlns:a14="http://schemas.microsoft.com/office/drawing/2010/main" w="9525">
                   <a:solidFill>
                     <a:srgbClr val="000000"/>
                   </a:solidFill>
@@ -1852,7 +1857,7 @@
             </a:ln>
             <a:extLst>
               <a:ext uri="{91240B29-F687-4f45-9708-019B960494DF}">
-                <a14:hiddenLine xmlns:a14="http://schemas.microsoft.com/office/drawing/2010/main" xmlns="" w="9525">
+                <a14:hiddenLine xmlns="" xmlns:a14="http://schemas.microsoft.com/office/drawing/2010/main" w="9525">
                   <a:solidFill>
                     <a:srgbClr val="000000"/>
                   </a:solidFill>
@@ -1908,7 +1913,7 @@
             </a:ln>
             <a:extLst>
               <a:ext uri="{91240B29-F687-4f45-9708-019B960494DF}">
-                <a14:hiddenLine xmlns:a14="http://schemas.microsoft.com/office/drawing/2010/main" xmlns="" w="9525">
+                <a14:hiddenLine xmlns="" xmlns:a14="http://schemas.microsoft.com/office/drawing/2010/main" w="9525">
                   <a:solidFill>
                     <a:srgbClr val="000000"/>
                   </a:solidFill>
@@ -1998,7 +2003,7 @@
             </a:ln>
             <a:extLst>
               <a:ext uri="{91240B29-F687-4f45-9708-019B960494DF}">
-                <a14:hiddenLine xmlns:a14="http://schemas.microsoft.com/office/drawing/2010/main" xmlns="" w="9525">
+                <a14:hiddenLine xmlns="" xmlns:a14="http://schemas.microsoft.com/office/drawing/2010/main" w="9525">
                   <a:solidFill>
                     <a:srgbClr val="000000"/>
                   </a:solidFill>
@@ -2066,7 +2071,7 @@
             </a:ln>
             <a:extLst>
               <a:ext uri="{91240B29-F687-4f45-9708-019B960494DF}">
-                <a14:hiddenLine xmlns:a14="http://schemas.microsoft.com/office/drawing/2010/main" xmlns="" w="9525">
+                <a14:hiddenLine xmlns="" xmlns:a14="http://schemas.microsoft.com/office/drawing/2010/main" w="9525">
                   <a:solidFill>
                     <a:srgbClr val="000000"/>
                   </a:solidFill>
@@ -2156,7 +2161,7 @@
             </a:ln>
             <a:extLst>
               <a:ext uri="{91240B29-F687-4f45-9708-019B960494DF}">
-                <a14:hiddenLine xmlns:a14="http://schemas.microsoft.com/office/drawing/2010/main" xmlns="" w="9525">
+                <a14:hiddenLine xmlns="" xmlns:a14="http://schemas.microsoft.com/office/drawing/2010/main" w="9525">
                   <a:solidFill>
                     <a:srgbClr val="000000"/>
                   </a:solidFill>
@@ -2224,7 +2229,7 @@
             </a:ln>
             <a:extLst>
               <a:ext uri="{91240B29-F687-4f45-9708-019B960494DF}">
-                <a14:hiddenLine xmlns:a14="http://schemas.microsoft.com/office/drawing/2010/main" xmlns="" w="9525">
+                <a14:hiddenLine xmlns="" xmlns:a14="http://schemas.microsoft.com/office/drawing/2010/main" w="9525">
                   <a:solidFill>
                     <a:srgbClr val="000000"/>
                   </a:solidFill>
@@ -2314,7 +2319,7 @@
             </a:ln>
             <a:extLst>
               <a:ext uri="{91240B29-F687-4f45-9708-019B960494DF}">
-                <a14:hiddenLine xmlns:a14="http://schemas.microsoft.com/office/drawing/2010/main" xmlns="" w="9525">
+                <a14:hiddenLine xmlns="" xmlns:a14="http://schemas.microsoft.com/office/drawing/2010/main" w="9525">
                   <a:solidFill>
                     <a:srgbClr val="000000"/>
                   </a:solidFill>
@@ -2348,7 +2353,7 @@
             </a:ln>
             <a:extLst>
               <a:ext uri="{91240B29-F687-4f45-9708-019B960494DF}">
-                <a14:hiddenLine xmlns:a14="http://schemas.microsoft.com/office/drawing/2010/main" xmlns="" w="9525">
+                <a14:hiddenLine xmlns="" xmlns:a14="http://schemas.microsoft.com/office/drawing/2010/main" w="9525">
                   <a:solidFill>
                     <a:srgbClr val="000000"/>
                   </a:solidFill>
@@ -2438,7 +2443,7 @@
             </a:ln>
             <a:extLst>
               <a:ext uri="{91240B29-F687-4f45-9708-019B960494DF}">
-                <a14:hiddenLine xmlns:a14="http://schemas.microsoft.com/office/drawing/2010/main" xmlns="" w="9525">
+                <a14:hiddenLine xmlns="" xmlns:a14="http://schemas.microsoft.com/office/drawing/2010/main" w="9525">
                   <a:solidFill>
                     <a:srgbClr val="000000"/>
                   </a:solidFill>
@@ -2500,7 +2505,7 @@
             </a:ln>
             <a:extLst>
               <a:ext uri="{91240B29-F687-4f45-9708-019B960494DF}">
-                <a14:hiddenLine xmlns:a14="http://schemas.microsoft.com/office/drawing/2010/main" xmlns="" w="9525">
+                <a14:hiddenLine xmlns="" xmlns:a14="http://schemas.microsoft.com/office/drawing/2010/main" w="9525">
                   <a:solidFill>
                     <a:srgbClr val="000000"/>
                   </a:solidFill>
@@ -2562,7 +2567,7 @@
             </a:ln>
             <a:extLst>
               <a:ext uri="{91240B29-F687-4f45-9708-019B960494DF}">
-                <a14:hiddenLine xmlns:a14="http://schemas.microsoft.com/office/drawing/2010/main" xmlns="" w="9525">
+                <a14:hiddenLine xmlns="" xmlns:a14="http://schemas.microsoft.com/office/drawing/2010/main" w="9525">
                   <a:solidFill>
                     <a:srgbClr val="000000"/>
                   </a:solidFill>
@@ -2652,7 +2657,7 @@
             </a:ln>
             <a:extLst>
               <a:ext uri="{91240B29-F687-4f45-9708-019B960494DF}">
-                <a14:hiddenLine xmlns:a14="http://schemas.microsoft.com/office/drawing/2010/main" xmlns="" w="9525">
+                <a14:hiddenLine xmlns="" xmlns:a14="http://schemas.microsoft.com/office/drawing/2010/main" w="9525">
                   <a:solidFill>
                     <a:srgbClr val="000000"/>
                   </a:solidFill>
@@ -2720,7 +2725,7 @@
             </a:ln>
             <a:extLst>
               <a:ext uri="{91240B29-F687-4f45-9708-019B960494DF}">
-                <a14:hiddenLine xmlns:a14="http://schemas.microsoft.com/office/drawing/2010/main" xmlns="" w="9525">
+                <a14:hiddenLine xmlns="" xmlns:a14="http://schemas.microsoft.com/office/drawing/2010/main" w="9525">
                   <a:solidFill>
                     <a:srgbClr val="000000"/>
                   </a:solidFill>
@@ -2782,7 +2787,7 @@
             </a:ln>
             <a:extLst>
               <a:ext uri="{91240B29-F687-4f45-9708-019B960494DF}">
-                <a14:hiddenLine xmlns:a14="http://schemas.microsoft.com/office/drawing/2010/main" xmlns="" w="9525">
+                <a14:hiddenLine xmlns="" xmlns:a14="http://schemas.microsoft.com/office/drawing/2010/main" w="9525">
                   <a:solidFill>
                     <a:srgbClr val="000000"/>
                   </a:solidFill>
@@ -2872,7 +2877,7 @@
             </a:ln>
             <a:extLst>
               <a:ext uri="{91240B29-F687-4f45-9708-019B960494DF}">
-                <a14:hiddenLine xmlns:a14="http://schemas.microsoft.com/office/drawing/2010/main" xmlns="" w="9525">
+                <a14:hiddenLine xmlns="" xmlns:a14="http://schemas.microsoft.com/office/drawing/2010/main" w="9525">
                   <a:solidFill>
                     <a:srgbClr val="000000"/>
                   </a:solidFill>
@@ -2934,7 +2939,7 @@
             </a:ln>
             <a:extLst>
               <a:ext uri="{91240B29-F687-4f45-9708-019B960494DF}">
-                <a14:hiddenLine xmlns:a14="http://schemas.microsoft.com/office/drawing/2010/main" xmlns="" w="9525">
+                <a14:hiddenLine xmlns="" xmlns:a14="http://schemas.microsoft.com/office/drawing/2010/main" w="9525">
                   <a:solidFill>
                     <a:srgbClr val="000000"/>
                   </a:solidFill>
@@ -3024,7 +3029,7 @@
             </a:ln>
             <a:extLst>
               <a:ext uri="{91240B29-F687-4f45-9708-019B960494DF}">
-                <a14:hiddenLine xmlns:a14="http://schemas.microsoft.com/office/drawing/2010/main" xmlns="" w="9525">
+                <a14:hiddenLine xmlns="" xmlns:a14="http://schemas.microsoft.com/office/drawing/2010/main" w="9525">
                   <a:solidFill>
                     <a:srgbClr val="000000"/>
                   </a:solidFill>
@@ -3086,7 +3091,7 @@
             </a:ln>
             <a:extLst>
               <a:ext uri="{91240B29-F687-4f45-9708-019B960494DF}">
-                <a14:hiddenLine xmlns:a14="http://schemas.microsoft.com/office/drawing/2010/main" xmlns="" w="9525">
+                <a14:hiddenLine xmlns="" xmlns:a14="http://schemas.microsoft.com/office/drawing/2010/main" w="9525">
                   <a:solidFill>
                     <a:srgbClr val="000000"/>
                   </a:solidFill>
@@ -3176,7 +3181,7 @@
             </a:ln>
             <a:extLst>
               <a:ext uri="{91240B29-F687-4f45-9708-019B960494DF}">
-                <a14:hiddenLine xmlns:a14="http://schemas.microsoft.com/office/drawing/2010/main" xmlns="" w="9525">
+                <a14:hiddenLine xmlns="" xmlns:a14="http://schemas.microsoft.com/office/drawing/2010/main" w="9525">
                   <a:solidFill>
                     <a:srgbClr val="000000"/>
                   </a:solidFill>
@@ -3210,7 +3215,7 @@
             </a:ln>
             <a:extLst>
               <a:ext uri="{91240B29-F687-4f45-9708-019B960494DF}">
-                <a14:hiddenLine xmlns:a14="http://schemas.microsoft.com/office/drawing/2010/main" xmlns="" w="9525">
+                <a14:hiddenLine xmlns="" xmlns:a14="http://schemas.microsoft.com/office/drawing/2010/main" w="9525">
                   <a:solidFill>
                     <a:srgbClr val="000000"/>
                   </a:solidFill>
@@ -3275,7 +3280,7 @@
             </a:ln>
             <a:extLst>
               <a:ext uri="{91240B29-F687-4f45-9708-019B960494DF}">
-                <a14:hiddenLine xmlns:a14="http://schemas.microsoft.com/office/drawing/2010/main" xmlns="" w="9525">
+                <a14:hiddenLine xmlns="" xmlns:a14="http://schemas.microsoft.com/office/drawing/2010/main" w="9525">
                   <a:solidFill>
                     <a:srgbClr val="000000"/>
                   </a:solidFill>
@@ -3365,7 +3370,7 @@
             </a:ln>
             <a:extLst>
               <a:ext uri="{91240B29-F687-4f45-9708-019B960494DF}">
-                <a14:hiddenLine xmlns:a14="http://schemas.microsoft.com/office/drawing/2010/main" xmlns="" w="9525">
+                <a14:hiddenLine xmlns="" xmlns:a14="http://schemas.microsoft.com/office/drawing/2010/main" w="9525">
                   <a:solidFill>
                     <a:srgbClr val="000000"/>
                   </a:solidFill>
@@ -3427,7 +3432,7 @@
             </a:ln>
             <a:extLst>
               <a:ext uri="{91240B29-F687-4f45-9708-019B960494DF}">
-                <a14:hiddenLine xmlns:a14="http://schemas.microsoft.com/office/drawing/2010/main" xmlns="" w="9525">
+                <a14:hiddenLine xmlns="" xmlns:a14="http://schemas.microsoft.com/office/drawing/2010/main" w="9525">
                   <a:solidFill>
                     <a:srgbClr val="000000"/>
                   </a:solidFill>
@@ -3517,7 +3522,7 @@
             </a:ln>
             <a:extLst>
               <a:ext uri="{91240B29-F687-4f45-9708-019B960494DF}">
-                <a14:hiddenLine xmlns:a14="http://schemas.microsoft.com/office/drawing/2010/main" xmlns="" w="9525">
+                <a14:hiddenLine xmlns="" xmlns:a14="http://schemas.microsoft.com/office/drawing/2010/main" w="9525">
                   <a:solidFill>
                     <a:srgbClr val="000000"/>
                   </a:solidFill>
@@ -3607,7 +3612,7 @@
             </a:ln>
             <a:extLst>
               <a:ext uri="{91240B29-F687-4f45-9708-019B960494DF}">
-                <a14:hiddenLine xmlns:a14="http://schemas.microsoft.com/office/drawing/2010/main" xmlns="" w="9525">
+                <a14:hiddenLine xmlns="" xmlns:a14="http://schemas.microsoft.com/office/drawing/2010/main" w="9525">
                   <a:solidFill>
                     <a:srgbClr val="000000"/>
                   </a:solidFill>
@@ -3672,7 +3677,7 @@
             </a:ln>
             <a:extLst>
               <a:ext uri="{91240B29-F687-4f45-9708-019B960494DF}">
-                <a14:hiddenLine xmlns:a14="http://schemas.microsoft.com/office/drawing/2010/main" xmlns="" w="9525">
+                <a14:hiddenLine xmlns="" xmlns:a14="http://schemas.microsoft.com/office/drawing/2010/main" w="9525">
                   <a:solidFill>
                     <a:srgbClr val="000000"/>
                   </a:solidFill>
@@ -3734,7 +3739,7 @@
             </a:ln>
             <a:extLst>
               <a:ext uri="{91240B29-F687-4f45-9708-019B960494DF}">
-                <a14:hiddenLine xmlns:a14="http://schemas.microsoft.com/office/drawing/2010/main" xmlns="" w="9525">
+                <a14:hiddenLine xmlns="" xmlns:a14="http://schemas.microsoft.com/office/drawing/2010/main" w="9525">
                   <a:solidFill>
                     <a:srgbClr val="000000"/>
                   </a:solidFill>
@@ -3824,7 +3829,7 @@
             </a:ln>
             <a:extLst>
               <a:ext uri="{91240B29-F687-4f45-9708-019B960494DF}">
-                <a14:hiddenLine xmlns:a14="http://schemas.microsoft.com/office/drawing/2010/main" xmlns="" w="9525">
+                <a14:hiddenLine xmlns="" xmlns:a14="http://schemas.microsoft.com/office/drawing/2010/main" w="9525">
                   <a:solidFill>
                     <a:srgbClr val="000000"/>
                   </a:solidFill>
@@ -3914,7 +3919,7 @@
             </a:ln>
             <a:extLst>
               <a:ext uri="{91240B29-F687-4f45-9708-019B960494DF}">
-                <a14:hiddenLine xmlns:a14="http://schemas.microsoft.com/office/drawing/2010/main" xmlns="" w="9525">
+                <a14:hiddenLine xmlns="" xmlns:a14="http://schemas.microsoft.com/office/drawing/2010/main" w="9525">
                   <a:solidFill>
                     <a:srgbClr val="000000"/>
                   </a:solidFill>
@@ -3976,7 +3981,7 @@
             </a:ln>
             <a:extLst>
               <a:ext uri="{91240B29-F687-4f45-9708-019B960494DF}">
-                <a14:hiddenLine xmlns:a14="http://schemas.microsoft.com/office/drawing/2010/main" xmlns="" w="9525">
+                <a14:hiddenLine xmlns="" xmlns:a14="http://schemas.microsoft.com/office/drawing/2010/main" w="9525">
                   <a:solidFill>
                     <a:srgbClr val="000000"/>
                   </a:solidFill>
@@ -4096,7 +4101,7 @@
             </a:ln>
             <a:extLst>
               <a:ext uri="{91240B29-F687-4f45-9708-019B960494DF}">
-                <a14:hiddenLine xmlns:a14="http://schemas.microsoft.com/office/drawing/2010/main" xmlns="" w="9525">
+                <a14:hiddenLine xmlns="" xmlns:a14="http://schemas.microsoft.com/office/drawing/2010/main" w="9525">
                   <a:solidFill>
                     <a:srgbClr val="000000"/>
                   </a:solidFill>
@@ -4164,7 +4169,7 @@
             </a:ln>
             <a:extLst>
               <a:ext uri="{91240B29-F687-4f45-9708-019B960494DF}">
-                <a14:hiddenLine xmlns:a14="http://schemas.microsoft.com/office/drawing/2010/main" xmlns="" w="9525">
+                <a14:hiddenLine xmlns="" xmlns:a14="http://schemas.microsoft.com/office/drawing/2010/main" w="9525">
                   <a:solidFill>
                     <a:srgbClr val="000000"/>
                   </a:solidFill>
@@ -4254,7 +4259,7 @@
             </a:ln>
             <a:extLst>
               <a:ext uri="{91240B29-F687-4f45-9708-019B960494DF}">
-                <a14:hiddenLine xmlns:a14="http://schemas.microsoft.com/office/drawing/2010/main" xmlns="" w="9525">
+                <a14:hiddenLine xmlns="" xmlns:a14="http://schemas.microsoft.com/office/drawing/2010/main" w="9525">
                   <a:solidFill>
                     <a:srgbClr val="000000"/>
                   </a:solidFill>
@@ -9068,7 +9073,7 @@
           <a:noFill/>
           <a:extLst>
             <a:ext uri="{909E8E84-426E-40dd-AFC4-6F175D3DCCD1}">
-              <a14:hiddenFill xmlns:a14="http://schemas.microsoft.com/office/drawing/2010/main" xmlns="">
+              <a14:hiddenFill xmlns="" xmlns:a14="http://schemas.microsoft.com/office/drawing/2010/main">
                 <a:solidFill>
                   <a:srgbClr val="FFFFFF"/>
                 </a:solidFill>
@@ -9142,7 +9147,7 @@
               </a:ln>
               <a:extLst>
                 <a:ext uri="{91240B29-F687-4f45-9708-019B960494DF}">
-                  <a14:hiddenLine xmlns:a14="http://schemas.microsoft.com/office/drawing/2010/main" xmlns="" w="9525">
+                  <a14:hiddenLine xmlns="" xmlns:a14="http://schemas.microsoft.com/office/drawing/2010/main" w="9525">
                     <a:solidFill>
                       <a:srgbClr val="000000"/>
                     </a:solidFill>
@@ -9232,7 +9237,7 @@
               </a:ln>
               <a:extLst>
                 <a:ext uri="{91240B29-F687-4f45-9708-019B960494DF}">
-                  <a14:hiddenLine xmlns:a14="http://schemas.microsoft.com/office/drawing/2010/main" xmlns="" w="9525">
+                  <a14:hiddenLine xmlns="" xmlns:a14="http://schemas.microsoft.com/office/drawing/2010/main" w="9525">
                     <a:solidFill>
                       <a:srgbClr val="000000"/>
                     </a:solidFill>
@@ -9322,7 +9327,7 @@
               </a:ln>
               <a:extLst>
                 <a:ext uri="{91240B29-F687-4f45-9708-019B960494DF}">
-                  <a14:hiddenLine xmlns:a14="http://schemas.microsoft.com/office/drawing/2010/main" xmlns="" w="9525">
+                  <a14:hiddenLine xmlns="" xmlns:a14="http://schemas.microsoft.com/office/drawing/2010/main" w="9525">
                     <a:solidFill>
                       <a:srgbClr val="000000"/>
                     </a:solidFill>
@@ -9384,7 +9389,7 @@
               </a:ln>
               <a:extLst>
                 <a:ext uri="{91240B29-F687-4f45-9708-019B960494DF}">
-                  <a14:hiddenLine xmlns:a14="http://schemas.microsoft.com/office/drawing/2010/main" xmlns="" w="9525">
+                  <a14:hiddenLine xmlns="" xmlns:a14="http://schemas.microsoft.com/office/drawing/2010/main" w="9525">
                     <a:solidFill>
                       <a:srgbClr val="000000"/>
                     </a:solidFill>
@@ -9474,7 +9479,7 @@
               </a:ln>
               <a:extLst>
                 <a:ext uri="{91240B29-F687-4f45-9708-019B960494DF}">
-                  <a14:hiddenLine xmlns:a14="http://schemas.microsoft.com/office/drawing/2010/main" xmlns="" w="9525">
+                  <a14:hiddenLine xmlns="" xmlns:a14="http://schemas.microsoft.com/office/drawing/2010/main" w="9525">
                     <a:solidFill>
                       <a:srgbClr val="000000"/>
                     </a:solidFill>
@@ -9536,7 +9541,7 @@
               </a:ln>
               <a:extLst>
                 <a:ext uri="{91240B29-F687-4f45-9708-019B960494DF}">
-                  <a14:hiddenLine xmlns:a14="http://schemas.microsoft.com/office/drawing/2010/main" xmlns="" w="9525">
+                  <a14:hiddenLine xmlns="" xmlns:a14="http://schemas.microsoft.com/office/drawing/2010/main" w="9525">
                     <a:solidFill>
                       <a:srgbClr val="000000"/>
                     </a:solidFill>
@@ -9598,7 +9603,7 @@
               </a:ln>
               <a:extLst>
                 <a:ext uri="{91240B29-F687-4f45-9708-019B960494DF}">
-                  <a14:hiddenLine xmlns:a14="http://schemas.microsoft.com/office/drawing/2010/main" xmlns="" w="9525">
+                  <a14:hiddenLine xmlns="" xmlns:a14="http://schemas.microsoft.com/office/drawing/2010/main" w="9525">
                     <a:solidFill>
                       <a:srgbClr val="000000"/>
                     </a:solidFill>
@@ -9688,7 +9693,7 @@
               </a:ln>
               <a:extLst>
                 <a:ext uri="{91240B29-F687-4f45-9708-019B960494DF}">
-                  <a14:hiddenLine xmlns:a14="http://schemas.microsoft.com/office/drawing/2010/main" xmlns="" w="9525">
+                  <a14:hiddenLine xmlns="" xmlns:a14="http://schemas.microsoft.com/office/drawing/2010/main" w="9525">
                     <a:solidFill>
                       <a:srgbClr val="000000"/>
                     </a:solidFill>
@@ -9778,7 +9783,7 @@
               </a:ln>
               <a:extLst>
                 <a:ext uri="{91240B29-F687-4f45-9708-019B960494DF}">
-                  <a14:hiddenLine xmlns:a14="http://schemas.microsoft.com/office/drawing/2010/main" xmlns="" w="9525">
+                  <a14:hiddenLine xmlns="" xmlns:a14="http://schemas.microsoft.com/office/drawing/2010/main" w="9525">
                     <a:solidFill>
                       <a:srgbClr val="000000"/>
                     </a:solidFill>
@@ -9840,7 +9845,7 @@
               </a:ln>
               <a:extLst>
                 <a:ext uri="{91240B29-F687-4f45-9708-019B960494DF}">
-                  <a14:hiddenLine xmlns:a14="http://schemas.microsoft.com/office/drawing/2010/main" xmlns="" w="9525">
+                  <a14:hiddenLine xmlns="" xmlns:a14="http://schemas.microsoft.com/office/drawing/2010/main" w="9525">
                     <a:solidFill>
                       <a:srgbClr val="000000"/>
                     </a:solidFill>
@@ -9950,7 +9955,7 @@
               </a:ln>
               <a:extLst>
                 <a:ext uri="{91240B29-F687-4f45-9708-019B960494DF}">
-                  <a14:hiddenLine xmlns:a14="http://schemas.microsoft.com/office/drawing/2010/main" xmlns="" w="9525">
+                  <a14:hiddenLine xmlns="" xmlns:a14="http://schemas.microsoft.com/office/drawing/2010/main" w="9525">
                     <a:solidFill>
                       <a:srgbClr val="000000"/>
                     </a:solidFill>
@@ -10034,7 +10039,7 @@
               </a:ln>
               <a:extLst>
                 <a:ext uri="{91240B29-F687-4f45-9708-019B960494DF}">
-                  <a14:hiddenLine xmlns:a14="http://schemas.microsoft.com/office/drawing/2010/main" xmlns="" w="9525">
+                  <a14:hiddenLine xmlns="" xmlns:a14="http://schemas.microsoft.com/office/drawing/2010/main" w="9525">
                     <a:solidFill>
                       <a:srgbClr val="000000"/>
                     </a:solidFill>
@@ -10096,7 +10101,7 @@
               </a:ln>
               <a:extLst>
                 <a:ext uri="{91240B29-F687-4f45-9708-019B960494DF}">
-                  <a14:hiddenLine xmlns:a14="http://schemas.microsoft.com/office/drawing/2010/main" xmlns="" w="9525">
+                  <a14:hiddenLine xmlns="" xmlns:a14="http://schemas.microsoft.com/office/drawing/2010/main" w="9525">
                     <a:solidFill>
                       <a:srgbClr val="000000"/>
                     </a:solidFill>
@@ -10158,7 +10163,7 @@
               </a:ln>
               <a:extLst>
                 <a:ext uri="{91240B29-F687-4f45-9708-019B960494DF}">
-                  <a14:hiddenLine xmlns:a14="http://schemas.microsoft.com/office/drawing/2010/main" xmlns="" w="9525">
+                  <a14:hiddenLine xmlns="" xmlns:a14="http://schemas.microsoft.com/office/drawing/2010/main" w="9525">
                     <a:solidFill>
                       <a:srgbClr val="000000"/>
                     </a:solidFill>
@@ -10248,7 +10253,7 @@
               </a:ln>
               <a:extLst>
                 <a:ext uri="{91240B29-F687-4f45-9708-019B960494DF}">
-                  <a14:hiddenLine xmlns:a14="http://schemas.microsoft.com/office/drawing/2010/main" xmlns="" w="9525">
+                  <a14:hiddenLine xmlns="" xmlns:a14="http://schemas.microsoft.com/office/drawing/2010/main" w="9525">
                     <a:solidFill>
                       <a:srgbClr val="000000"/>
                     </a:solidFill>
@@ -10282,7 +10287,7 @@
               </a:ln>
               <a:extLst>
                 <a:ext uri="{91240B29-F687-4f45-9708-019B960494DF}">
-                  <a14:hiddenLine xmlns:a14="http://schemas.microsoft.com/office/drawing/2010/main" xmlns="" w="9525">
+                  <a14:hiddenLine xmlns="" xmlns:a14="http://schemas.microsoft.com/office/drawing/2010/main" w="9525">
                     <a:solidFill>
                       <a:srgbClr val="000000"/>
                     </a:solidFill>
@@ -10347,7 +10352,7 @@
               </a:ln>
               <a:extLst>
                 <a:ext uri="{91240B29-F687-4f45-9708-019B960494DF}">
-                  <a14:hiddenLine xmlns:a14="http://schemas.microsoft.com/office/drawing/2010/main" xmlns="" w="9525">
+                  <a14:hiddenLine xmlns="" xmlns:a14="http://schemas.microsoft.com/office/drawing/2010/main" w="9525">
                     <a:solidFill>
                       <a:srgbClr val="000000"/>
                     </a:solidFill>
@@ -10437,7 +10442,7 @@
               </a:ln>
               <a:extLst>
                 <a:ext uri="{91240B29-F687-4f45-9708-019B960494DF}">
-                  <a14:hiddenLine xmlns:a14="http://schemas.microsoft.com/office/drawing/2010/main" xmlns="" w="9525">
+                  <a14:hiddenLine xmlns="" xmlns:a14="http://schemas.microsoft.com/office/drawing/2010/main" w="9525">
                     <a:solidFill>
                       <a:srgbClr val="000000"/>
                     </a:solidFill>
@@ -10499,7 +10504,7 @@
               </a:ln>
               <a:extLst>
                 <a:ext uri="{91240B29-F687-4f45-9708-019B960494DF}">
-                  <a14:hiddenLine xmlns:a14="http://schemas.microsoft.com/office/drawing/2010/main" xmlns="" w="9525">
+                  <a14:hiddenLine xmlns="" xmlns:a14="http://schemas.microsoft.com/office/drawing/2010/main" w="9525">
                     <a:solidFill>
                       <a:srgbClr val="000000"/>
                     </a:solidFill>
@@ -10589,7 +10594,7 @@
               </a:ln>
               <a:extLst>
                 <a:ext uri="{91240B29-F687-4f45-9708-019B960494DF}">
-                  <a14:hiddenLine xmlns:a14="http://schemas.microsoft.com/office/drawing/2010/main" xmlns="" w="9525">
+                  <a14:hiddenLine xmlns="" xmlns:a14="http://schemas.microsoft.com/office/drawing/2010/main" w="9525">
                     <a:solidFill>
                       <a:srgbClr val="000000"/>
                     </a:solidFill>
@@ -10654,7 +10659,7 @@
               </a:ln>
               <a:extLst>
                 <a:ext uri="{91240B29-F687-4f45-9708-019B960494DF}">
-                  <a14:hiddenLine xmlns:a14="http://schemas.microsoft.com/office/drawing/2010/main" xmlns="" w="9525">
+                  <a14:hiddenLine xmlns="" xmlns:a14="http://schemas.microsoft.com/office/drawing/2010/main" w="9525">
                     <a:solidFill>
                       <a:srgbClr val="000000"/>
                     </a:solidFill>
@@ -10716,7 +10721,7 @@
               </a:ln>
               <a:extLst>
                 <a:ext uri="{91240B29-F687-4f45-9708-019B960494DF}">
-                  <a14:hiddenLine xmlns:a14="http://schemas.microsoft.com/office/drawing/2010/main" xmlns="" w="9525">
+                  <a14:hiddenLine xmlns="" xmlns:a14="http://schemas.microsoft.com/office/drawing/2010/main" w="9525">
                     <a:solidFill>
                       <a:srgbClr val="000000"/>
                     </a:solidFill>
@@ -10806,7 +10811,7 @@
               </a:ln>
               <a:extLst>
                 <a:ext uri="{91240B29-F687-4f45-9708-019B960494DF}">
-                  <a14:hiddenLine xmlns:a14="http://schemas.microsoft.com/office/drawing/2010/main" xmlns="" w="9525">
+                  <a14:hiddenLine xmlns="" xmlns:a14="http://schemas.microsoft.com/office/drawing/2010/main" w="9525">
                     <a:solidFill>
                       <a:srgbClr val="000000"/>
                     </a:solidFill>
@@ -10896,7 +10901,7 @@
               </a:ln>
               <a:extLst>
                 <a:ext uri="{91240B29-F687-4f45-9708-019B960494DF}">
-                  <a14:hiddenLine xmlns:a14="http://schemas.microsoft.com/office/drawing/2010/main" xmlns="" w="9525">
+                  <a14:hiddenLine xmlns="" xmlns:a14="http://schemas.microsoft.com/office/drawing/2010/main" w="9525">
                     <a:solidFill>
                       <a:srgbClr val="000000"/>
                     </a:solidFill>
@@ -10961,7 +10966,7 @@
               </a:ln>
               <a:extLst>
                 <a:ext uri="{91240B29-F687-4f45-9708-019B960494DF}">
-                  <a14:hiddenLine xmlns:a14="http://schemas.microsoft.com/office/drawing/2010/main" xmlns="" w="9525">
+                  <a14:hiddenLine xmlns="" xmlns:a14="http://schemas.microsoft.com/office/drawing/2010/main" w="9525">
                     <a:solidFill>
                       <a:srgbClr val="000000"/>
                     </a:solidFill>
@@ -11081,7 +11086,7 @@
               </a:ln>
               <a:extLst>
                 <a:ext uri="{91240B29-F687-4f45-9708-019B960494DF}">
-                  <a14:hiddenLine xmlns:a14="http://schemas.microsoft.com/office/drawing/2010/main" xmlns="" w="9525">
+                  <a14:hiddenLine xmlns="" xmlns:a14="http://schemas.microsoft.com/office/drawing/2010/main" w="9525">
                     <a:solidFill>
                       <a:srgbClr val="000000"/>
                     </a:solidFill>
@@ -11162,7 +11167,7 @@
               </a:ln>
               <a:extLst>
                 <a:ext uri="{91240B29-F687-4f45-9708-019B960494DF}">
-                  <a14:hiddenLine xmlns:a14="http://schemas.microsoft.com/office/drawing/2010/main" xmlns="" w="9525">
+                  <a14:hiddenLine xmlns="" xmlns:a14="http://schemas.microsoft.com/office/drawing/2010/main" w="9525">
                     <a:solidFill>
                       <a:srgbClr val="000000"/>
                     </a:solidFill>
@@ -11277,7 +11282,7 @@
               </a:ln>
               <a:extLst>
                 <a:ext uri="{91240B29-F687-4f45-9708-019B960494DF}">
-                  <a14:hiddenLine xmlns:a14="http://schemas.microsoft.com/office/drawing/2010/main" xmlns="" w="9525">
+                  <a14:hiddenLine xmlns="" xmlns:a14="http://schemas.microsoft.com/office/drawing/2010/main" w="9525">
                     <a:solidFill>
                       <a:srgbClr val="000000"/>
                     </a:solidFill>
@@ -11367,7 +11372,7 @@
               </a:ln>
               <a:extLst>
                 <a:ext uri="{91240B29-F687-4f45-9708-019B960494DF}">
-                  <a14:hiddenLine xmlns:a14="http://schemas.microsoft.com/office/drawing/2010/main" xmlns="" w="9525">
+                  <a14:hiddenLine xmlns="" xmlns:a14="http://schemas.microsoft.com/office/drawing/2010/main" w="9525">
                     <a:solidFill>
                       <a:srgbClr val="000000"/>
                     </a:solidFill>
@@ -11432,7 +11437,7 @@
               </a:ln>
               <a:extLst>
                 <a:ext uri="{91240B29-F687-4f45-9708-019B960494DF}">
-                  <a14:hiddenLine xmlns:a14="http://schemas.microsoft.com/office/drawing/2010/main" xmlns="" w="9525">
+                  <a14:hiddenLine xmlns="" xmlns:a14="http://schemas.microsoft.com/office/drawing/2010/main" w="9525">
                     <a:solidFill>
                       <a:srgbClr val="000000"/>
                     </a:solidFill>
@@ -11522,7 +11527,7 @@
               </a:ln>
               <a:extLst>
                 <a:ext uri="{91240B29-F687-4f45-9708-019B960494DF}">
-                  <a14:hiddenLine xmlns:a14="http://schemas.microsoft.com/office/drawing/2010/main" xmlns="" w="9525">
+                  <a14:hiddenLine xmlns="" xmlns:a14="http://schemas.microsoft.com/office/drawing/2010/main" w="9525">
                     <a:solidFill>
                       <a:srgbClr val="000000"/>
                     </a:solidFill>
@@ -11590,7 +11595,7 @@
               </a:ln>
               <a:extLst>
                 <a:ext uri="{91240B29-F687-4f45-9708-019B960494DF}">
-                  <a14:hiddenLine xmlns:a14="http://schemas.microsoft.com/office/drawing/2010/main" xmlns="" w="9525">
+                  <a14:hiddenLine xmlns="" xmlns:a14="http://schemas.microsoft.com/office/drawing/2010/main" w="9525">
                     <a:solidFill>
                       <a:srgbClr val="000000"/>
                     </a:solidFill>
@@ -11680,7 +11685,7 @@
               </a:ln>
               <a:extLst>
                 <a:ext uri="{91240B29-F687-4f45-9708-019B960494DF}">
-                  <a14:hiddenLine xmlns:a14="http://schemas.microsoft.com/office/drawing/2010/main" xmlns="" w="9525">
+                  <a14:hiddenLine xmlns="" xmlns:a14="http://schemas.microsoft.com/office/drawing/2010/main" w="9525">
                     <a:solidFill>
                       <a:srgbClr val="000000"/>
                     </a:solidFill>
@@ -11748,7 +11753,7 @@
               </a:ln>
               <a:extLst>
                 <a:ext uri="{91240B29-F687-4f45-9708-019B960494DF}">
-                  <a14:hiddenLine xmlns:a14="http://schemas.microsoft.com/office/drawing/2010/main" xmlns="" w="9525">
+                  <a14:hiddenLine xmlns="" xmlns:a14="http://schemas.microsoft.com/office/drawing/2010/main" w="9525">
                     <a:solidFill>
                       <a:srgbClr val="000000"/>
                     </a:solidFill>
@@ -11838,7 +11843,7 @@
               </a:ln>
               <a:extLst>
                 <a:ext uri="{91240B29-F687-4f45-9708-019B960494DF}">
-                  <a14:hiddenLine xmlns:a14="http://schemas.microsoft.com/office/drawing/2010/main" xmlns="" w="9525">
+                  <a14:hiddenLine xmlns="" xmlns:a14="http://schemas.microsoft.com/office/drawing/2010/main" w="9525">
                     <a:solidFill>
                       <a:srgbClr val="000000"/>
                     </a:solidFill>
@@ -11872,7 +11877,7 @@
               </a:ln>
               <a:extLst>
                 <a:ext uri="{91240B29-F687-4f45-9708-019B960494DF}">
-                  <a14:hiddenLine xmlns:a14="http://schemas.microsoft.com/office/drawing/2010/main" xmlns="" w="9525">
+                  <a14:hiddenLine xmlns="" xmlns:a14="http://schemas.microsoft.com/office/drawing/2010/main" w="9525">
                     <a:solidFill>
                       <a:srgbClr val="000000"/>
                     </a:solidFill>
@@ -12621,6 +12626,36 @@
           </a:p>
         </p:txBody>
       </p:sp>
+      <p:pic>
+        <p:nvPicPr>
+          <p:cNvPr id="3" name="Imagem 2">
+            <a:extLst>
+              <a:ext uri="{FF2B5EF4-FFF2-40B4-BE49-F238E27FC236}">
+                <a16:creationId xmlns:a16="http://schemas.microsoft.com/office/drawing/2014/main" id="{2D820C82-DB55-4D30-A449-C92CC4AC6370}"/>
+              </a:ext>
+            </a:extLst>
+          </p:cNvPr>
+          <p:cNvPicPr>
+            <a:picLocks noChangeAspect="1"/>
+          </p:cNvPicPr>
+          <p:nvPr/>
+        </p:nvPicPr>
+        <p:blipFill>
+          <a:blip r:embed="rId2"/>
+          <a:stretch>
+            <a:fillRect/>
+          </a:stretch>
+        </p:blipFill>
+        <p:spPr>
+          <a:xfrm>
+            <a:off x="4941532" y="1370496"/>
+            <a:ext cx="2373668" cy="5142948"/>
+          </a:xfrm>
+          <a:prstGeom prst="rect">
+            <a:avLst/>
+          </a:prstGeom>
+        </p:spPr>
+      </p:pic>
     </p:spTree>
     <p:extLst>
       <p:ext uri="{BB962C8B-B14F-4D97-AF65-F5344CB8AC3E}">
